--- a/PPT/AmeyKurade_CSE_D_eMarketPlace.pptx
+++ b/PPT/AmeyKurade_CSE_D_eMarketPlace.pptx
@@ -280,7 +280,7 @@
       </p15:sldGuideLst>
     </p:ext>
     <p:ext uri="http://customooxmlschemas.google.com/">
-      <go:slidesCustomData xmlns="" xmlns:mc="http://schemas.openxmlformats.org/markup-compatibility/2006" xmlns:mv="urn:schemas-microsoft-com:mac:vml" xmlns:c="http://schemas.openxmlformats.org/drawingml/2006/chart" xmlns:dgm="http://schemas.openxmlformats.org/drawingml/2006/diagram" xmlns:o="urn:schemas-microsoft-com:office:office" xmlns:v="urn:schemas-microsoft-com:vml" xmlns:pvml="urn:schemas-microsoft-com:office:powerpoint" xmlns:com="http://schemas.openxmlformats.org/drawingml/2006/compatibility" xmlns:p14="http://schemas.microsoft.com/office/powerpoint/2010/main" xmlns:p15="http://schemas.microsoft.com/office/powerpoint/2012/main" xmlns:ahyp="http://schemas.microsoft.com/office/drawing/2018/hyperlinkcolor" xmlns:go="http://customooxmlschemas.google.com/" r:id="rId17" roundtripDataSignature="AMtx7mi1sBDdHb2XsYteFNPHBFMUQvu/sQ=="/>
+      <go:slidesCustomData xmlns:go="http://customooxmlschemas.google.com/" xmlns:ahyp="http://schemas.microsoft.com/office/drawing/2018/hyperlinkcolor" xmlns:p15="http://schemas.microsoft.com/office/powerpoint/2012/main" xmlns:p14="http://schemas.microsoft.com/office/powerpoint/2010/main" xmlns:com="http://schemas.openxmlformats.org/drawingml/2006/compatibility" xmlns:pvml="urn:schemas-microsoft-com:office:powerpoint" xmlns:v="urn:schemas-microsoft-com:vml" xmlns:o="urn:schemas-microsoft-com:office:office" xmlns:dgm="http://schemas.openxmlformats.org/drawingml/2006/diagram" xmlns:c="http://schemas.openxmlformats.org/drawingml/2006/chart" xmlns:mv="urn:schemas-microsoft-com:mac:vml" xmlns:mc="http://schemas.openxmlformats.org/markup-compatibility/2006" xmlns="" r:id="rId17" roundtripDataSignature="AMtx7mi1sBDdHb2XsYteFNPHBFMUQvu/sQ=="/>
     </p:ext>
   </p:extLst>
 </p:presentation>
@@ -25272,41 +25272,6 @@
           </a:p>
         </p:txBody>
       </p:sp>
-      <p:pic>
-        <p:nvPicPr>
-          <p:cNvPr id="5" name="Picture Placeholder 4">
-            <a:extLst>
-              <a:ext uri="{FF2B5EF4-FFF2-40B4-BE49-F238E27FC236}">
-                <a16:creationId xmlns:a16="http://schemas.microsoft.com/office/drawing/2014/main" id="{B10F86FC-B0B0-5CB9-F786-2FBC4A38ADF4}"/>
-              </a:ext>
-            </a:extLst>
-          </p:cNvPr>
-          <p:cNvPicPr>
-            <a:picLocks noGrp="1" noChangeAspect="1"/>
-          </p:cNvPicPr>
-          <p:nvPr>
-            <p:ph type="pic" idx="2"/>
-          </p:nvPr>
-        </p:nvPicPr>
-        <p:blipFill rotWithShape="1">
-          <a:blip r:embed="rId3"/>
-          <a:srcRect r="562"/>
-          <a:stretch/>
-        </p:blipFill>
-        <p:spPr>
-          <a:xfrm>
-            <a:off x="7063271" y="0"/>
-            <a:ext cx="5004777" cy="3722914"/>
-          </a:xfrm>
-          <a:prstGeom prst="rect">
-            <a:avLst/>
-          </a:prstGeom>
-          <a:noFill/>
-          <a:ln>
-            <a:noFill/>
-          </a:ln>
-        </p:spPr>
-      </p:pic>
       <p:sp>
         <p:nvSpPr>
           <p:cNvPr id="222" name="Google Shape;222;p2"/>
@@ -25315,8 +25280,8 @@
         </p:nvSpPr>
         <p:spPr>
           <a:xfrm>
-            <a:off x="7279660" y="3820783"/>
-            <a:ext cx="4572001" cy="2759088"/>
+            <a:off x="6979920" y="3820782"/>
+            <a:ext cx="5049520" cy="2867484"/>
           </a:xfrm>
           <a:prstGeom prst="rect">
             <a:avLst/>
@@ -25324,7 +25289,7 @@
           <a:noFill/>
           <a:ln w="9525" cap="flat" cmpd="sng">
             <a:solidFill>
-              <a:schemeClr val="dk1"/>
+              <a:schemeClr val="tx1"/>
             </a:solidFill>
             <a:prstDash val="solid"/>
             <a:round/>
@@ -25407,7 +25372,7 @@
                 <a:latin typeface="Franklin Gothic" panose="020B0604020202020204" charset="0"/>
                 <a:sym typeface="Libre Franklin"/>
               </a:rPr>
-              <a:t>Java (for app development).</a:t>
+              <a:t>Java / React Native (for app development).</a:t>
             </a:r>
           </a:p>
           <a:p>
@@ -25438,6 +25403,54 @@
               </a:rPr>
               <a:t>HTML, CSS, JS / MERN Stack (for web development).</a:t>
             </a:r>
+          </a:p>
+          <a:p>
+            <a:pPr marL="285750" marR="0" lvl="0" indent="-285750" algn="l" rtl="0">
+              <a:lnSpc>
+                <a:spcPct val="100000"/>
+              </a:lnSpc>
+              <a:spcBef>
+                <a:spcPts val="1000"/>
+              </a:spcBef>
+              <a:spcAft>
+                <a:spcPts val="0"/>
+              </a:spcAft>
+              <a:buClr>
+                <a:schemeClr val="dk1"/>
+              </a:buClr>
+              <a:buSzPts val="1600"/>
+              <a:buFont typeface="Noto Sans Symbols"/>
+              <a:buChar char="⮚"/>
+            </a:pPr>
+            <a:r>
+              <a:rPr lang="en-US" sz="1600" dirty="0">
+                <a:solidFill>
+                  <a:schemeClr val="dk1"/>
+                </a:solidFill>
+                <a:latin typeface="Franklin Gothic" panose="020B0604020202020204" charset="0"/>
+                <a:sym typeface="Libre Franklin"/>
+              </a:rPr>
+              <a:t>AWS / Azure (for Server).</a:t>
+            </a:r>
+          </a:p>
+          <a:p>
+            <a:pPr marL="285750" marR="0" lvl="0" indent="-285750" algn="l" rtl="0">
+              <a:lnSpc>
+                <a:spcPct val="100000"/>
+              </a:lnSpc>
+              <a:spcBef>
+                <a:spcPts val="1000"/>
+              </a:spcBef>
+              <a:spcAft>
+                <a:spcPts val="0"/>
+              </a:spcAft>
+              <a:buClr>
+                <a:schemeClr val="dk1"/>
+              </a:buClr>
+              <a:buSzPts val="1600"/>
+              <a:buFont typeface="Noto Sans Symbols"/>
+              <a:buChar char="⮚"/>
+            </a:pPr>
             <a:endParaRPr dirty="0">
               <a:latin typeface="Franklin Gothic" panose="020B0604020202020204" charset="0"/>
             </a:endParaRPr>
@@ -25481,14 +25494,14 @@
           <p:nvPr/>
         </p:nvPicPr>
         <p:blipFill>
-          <a:blip r:embed="rId4"/>
+          <a:blip r:embed="rId3"/>
           <a:stretch>
             <a:fillRect/>
           </a:stretch>
         </p:blipFill>
         <p:spPr>
           <a:xfrm>
-            <a:off x="7279660" y="5200327"/>
+            <a:off x="8558545" y="5887880"/>
             <a:ext cx="735257" cy="735257"/>
           </a:xfrm>
           <a:prstGeom prst="rect">
@@ -25505,14 +25518,14 @@
           <p:nvPr/>
         </p:nvPicPr>
         <p:blipFill>
-          <a:blip r:embed="rId5"/>
+          <a:blip r:embed="rId4"/>
           <a:stretch>
             <a:fillRect/>
           </a:stretch>
         </p:blipFill>
         <p:spPr>
           <a:xfrm>
-            <a:off x="8014917" y="5200327"/>
+            <a:off x="9454292" y="5108865"/>
             <a:ext cx="735257" cy="735257"/>
           </a:xfrm>
           <a:prstGeom prst="rect">
@@ -25529,14 +25542,14 @@
           <p:nvPr/>
         </p:nvPicPr>
         <p:blipFill>
-          <a:blip r:embed="rId6"/>
+          <a:blip r:embed="rId5"/>
           <a:stretch>
             <a:fillRect/>
           </a:stretch>
         </p:blipFill>
         <p:spPr>
           <a:xfrm>
-            <a:off x="8698683" y="5200327"/>
+            <a:off x="10189549" y="5097977"/>
             <a:ext cx="746145" cy="746145"/>
           </a:xfrm>
           <a:prstGeom prst="rect">
@@ -25553,14 +25566,14 @@
           <p:nvPr/>
         </p:nvPicPr>
         <p:blipFill>
-          <a:blip r:embed="rId7"/>
+          <a:blip r:embed="rId6"/>
           <a:stretch>
             <a:fillRect/>
           </a:stretch>
         </p:blipFill>
         <p:spPr>
           <a:xfrm>
-            <a:off x="9485431" y="5358945"/>
+            <a:off x="11009067" y="5192418"/>
             <a:ext cx="576639" cy="576639"/>
           </a:xfrm>
           <a:prstGeom prst="rect">
@@ -25583,6 +25596,36 @@
           <p:nvPr/>
         </p:nvPicPr>
         <p:blipFill>
+          <a:blip r:embed="rId7"/>
+          <a:stretch>
+            <a:fillRect/>
+          </a:stretch>
+        </p:blipFill>
+        <p:spPr>
+          <a:xfrm>
+            <a:off x="10242053" y="5894585"/>
+            <a:ext cx="1303748" cy="746145"/>
+          </a:xfrm>
+          <a:prstGeom prst="rect">
+            <a:avLst/>
+          </a:prstGeom>
+        </p:spPr>
+      </p:pic>
+      <p:pic>
+        <p:nvPicPr>
+          <p:cNvPr id="16" name="Picture 15">
+            <a:extLst>
+              <a:ext uri="{FF2B5EF4-FFF2-40B4-BE49-F238E27FC236}">
+                <a16:creationId xmlns:a16="http://schemas.microsoft.com/office/drawing/2014/main" id="{C3B5A587-E783-3FAB-783D-41F21AFF81D2}"/>
+              </a:ext>
+            </a:extLst>
+          </p:cNvPr>
+          <p:cNvPicPr>
+            <a:picLocks/>
+          </p:cNvPicPr>
+          <p:nvPr/>
+        </p:nvPicPr>
+        <p:blipFill>
           <a:blip r:embed="rId8"/>
           <a:stretch>
             <a:fillRect/>
@@ -25590,8 +25633,193 @@
         </p:blipFill>
         <p:spPr>
           <a:xfrm>
-            <a:off x="10169197" y="5274191"/>
-            <a:ext cx="1303748" cy="746145"/>
+            <a:off x="6979920" y="169734"/>
+            <a:ext cx="5049520" cy="3525520"/>
+          </a:xfrm>
+          <a:prstGeom prst="rect">
+            <a:avLst/>
+          </a:prstGeom>
+          <a:ln>
+            <a:solidFill>
+              <a:schemeClr val="tx1"/>
+            </a:solidFill>
+          </a:ln>
+        </p:spPr>
+      </p:pic>
+      <p:pic>
+        <p:nvPicPr>
+          <p:cNvPr id="18" name="Picture 17">
+            <a:extLst>
+              <a:ext uri="{FF2B5EF4-FFF2-40B4-BE49-F238E27FC236}">
+                <a16:creationId xmlns:a16="http://schemas.microsoft.com/office/drawing/2014/main" id="{AE271371-F1EE-3AFF-F0E5-FD35684E6D45}"/>
+              </a:ext>
+            </a:extLst>
+          </p:cNvPr>
+          <p:cNvPicPr>
+            <a:picLocks noChangeAspect="1"/>
+          </p:cNvPicPr>
+          <p:nvPr/>
+        </p:nvPicPr>
+        <p:blipFill>
+          <a:blip r:embed="rId9"/>
+          <a:stretch>
+            <a:fillRect/>
+          </a:stretch>
+        </p:blipFill>
+        <p:spPr>
+          <a:xfrm>
+            <a:off x="9441465" y="6035669"/>
+            <a:ext cx="609524" cy="609524"/>
+          </a:xfrm>
+          <a:prstGeom prst="rect">
+            <a:avLst/>
+          </a:prstGeom>
+        </p:spPr>
+      </p:pic>
+      <p:pic>
+        <p:nvPicPr>
+          <p:cNvPr id="20" name="Picture 19">
+            <a:extLst>
+              <a:ext uri="{FF2B5EF4-FFF2-40B4-BE49-F238E27FC236}">
+                <a16:creationId xmlns:a16="http://schemas.microsoft.com/office/drawing/2014/main" id="{62E24CBF-D6F9-954D-B984-D4887DF00D50}"/>
+              </a:ext>
+            </a:extLst>
+          </p:cNvPr>
+          <p:cNvPicPr>
+            <a:picLocks noChangeAspect="1"/>
+          </p:cNvPicPr>
+          <p:nvPr/>
+        </p:nvPicPr>
+        <p:blipFill>
+          <a:blip r:embed="rId10"/>
+          <a:stretch>
+            <a:fillRect/>
+          </a:stretch>
+        </p:blipFill>
+        <p:spPr>
+          <a:xfrm>
+            <a:off x="7819042" y="6027458"/>
+            <a:ext cx="609524" cy="609524"/>
+          </a:xfrm>
+          <a:prstGeom prst="rect">
+            <a:avLst/>
+          </a:prstGeom>
+        </p:spPr>
+      </p:pic>
+      <p:pic>
+        <p:nvPicPr>
+          <p:cNvPr id="22" name="Picture 21">
+            <a:extLst>
+              <a:ext uri="{FF2B5EF4-FFF2-40B4-BE49-F238E27FC236}">
+                <a16:creationId xmlns:a16="http://schemas.microsoft.com/office/drawing/2014/main" id="{BC4202D2-E7ED-BA1F-FFDD-201F0FB2B3B2}"/>
+              </a:ext>
+            </a:extLst>
+          </p:cNvPr>
+          <p:cNvPicPr>
+            <a:picLocks noChangeAspect="1"/>
+          </p:cNvPicPr>
+          <p:nvPr/>
+        </p:nvPicPr>
+        <p:blipFill>
+          <a:blip r:embed="rId11"/>
+          <a:stretch>
+            <a:fillRect/>
+          </a:stretch>
+        </p:blipFill>
+        <p:spPr>
+          <a:xfrm>
+            <a:off x="7056477" y="6013613"/>
+            <a:ext cx="609524" cy="609524"/>
+          </a:xfrm>
+          <a:prstGeom prst="rect">
+            <a:avLst/>
+          </a:prstGeom>
+        </p:spPr>
+      </p:pic>
+      <p:pic>
+        <p:nvPicPr>
+          <p:cNvPr id="24" name="Picture 23">
+            <a:extLst>
+              <a:ext uri="{FF2B5EF4-FFF2-40B4-BE49-F238E27FC236}">
+                <a16:creationId xmlns:a16="http://schemas.microsoft.com/office/drawing/2014/main" id="{EF3A2115-71B4-FA23-4CE3-ABD18F7DB34D}"/>
+              </a:ext>
+            </a:extLst>
+          </p:cNvPr>
+          <p:cNvPicPr>
+            <a:picLocks noChangeAspect="1"/>
+          </p:cNvPicPr>
+          <p:nvPr/>
+        </p:nvPicPr>
+        <p:blipFill>
+          <a:blip r:embed="rId12"/>
+          <a:stretch>
+            <a:fillRect/>
+          </a:stretch>
+        </p:blipFill>
+        <p:spPr>
+          <a:xfrm>
+            <a:off x="8661777" y="5314748"/>
+            <a:ext cx="609524" cy="609524"/>
+          </a:xfrm>
+          <a:prstGeom prst="rect">
+            <a:avLst/>
+          </a:prstGeom>
+        </p:spPr>
+      </p:pic>
+      <p:pic>
+        <p:nvPicPr>
+          <p:cNvPr id="26" name="Picture 25">
+            <a:extLst>
+              <a:ext uri="{FF2B5EF4-FFF2-40B4-BE49-F238E27FC236}">
+                <a16:creationId xmlns:a16="http://schemas.microsoft.com/office/drawing/2014/main" id="{FCD53551-EF2C-36A6-FCB3-8DFAB519D48D}"/>
+              </a:ext>
+            </a:extLst>
+          </p:cNvPr>
+          <p:cNvPicPr>
+            <a:picLocks noChangeAspect="1"/>
+          </p:cNvPicPr>
+          <p:nvPr/>
+        </p:nvPicPr>
+        <p:blipFill>
+          <a:blip r:embed="rId13"/>
+          <a:stretch>
+            <a:fillRect/>
+          </a:stretch>
+        </p:blipFill>
+        <p:spPr>
+          <a:xfrm>
+            <a:off x="7899774" y="5314748"/>
+            <a:ext cx="634921" cy="634921"/>
+          </a:xfrm>
+          <a:prstGeom prst="rect">
+            <a:avLst/>
+          </a:prstGeom>
+        </p:spPr>
+      </p:pic>
+      <p:pic>
+        <p:nvPicPr>
+          <p:cNvPr id="28" name="Picture 27">
+            <a:extLst>
+              <a:ext uri="{FF2B5EF4-FFF2-40B4-BE49-F238E27FC236}">
+                <a16:creationId xmlns:a16="http://schemas.microsoft.com/office/drawing/2014/main" id="{70B259FA-9DE5-231E-DF0A-3CAF2266E5CD}"/>
+              </a:ext>
+            </a:extLst>
+          </p:cNvPr>
+          <p:cNvPicPr>
+            <a:picLocks noChangeAspect="1"/>
+          </p:cNvPicPr>
+          <p:nvPr/>
+        </p:nvPicPr>
+        <p:blipFill>
+          <a:blip r:embed="rId14"/>
+          <a:stretch>
+            <a:fillRect/>
+          </a:stretch>
+        </p:blipFill>
+        <p:spPr>
+          <a:xfrm>
+            <a:off x="7159709" y="5292991"/>
+            <a:ext cx="609524" cy="609524"/>
           </a:xfrm>
           <a:prstGeom prst="rect">
             <a:avLst/>
@@ -27588,7 +27816,7 @@
 
 <file path=ppt/webextensions/taskpanes.xml><?xml version="1.0" encoding="utf-8"?>
 <wetp:taskpanes xmlns:wetp="http://schemas.microsoft.com/office/webextensions/taskpanes/2010/11">
-  <wetp:taskpane dockstate="right" visibility="0" width="438" row="8">
+  <wetp:taskpane dockstate="right" visibility="0" width="438" row="7">
     <wetp:webextensionref xmlns:r="http://schemas.openxmlformats.org/officeDocument/2006/relationships" r:id="rId1"/>
   </wetp:taskpane>
 </wetp:taskpanes>
